--- a/leasson-9/JavaScript-lecture-9.pptx
+++ b/leasson-9/JavaScript-lecture-9.pptx
@@ -283,38 +283,37 @@
           <a:p>
             <a:pPr lvl="0"/>
             <a:r>
-              <a:rPr lang="en-US" smtClean="0"/>
+              <a:rPr lang="en-US"/>
               <a:t>Edit Master text styles</a:t>
             </a:r>
           </a:p>
           <a:p>
             <a:pPr lvl="1"/>
             <a:r>
-              <a:rPr lang="en-US" smtClean="0"/>
+              <a:rPr lang="en-US"/>
               <a:t>Second level</a:t>
             </a:r>
           </a:p>
           <a:p>
             <a:pPr lvl="2"/>
             <a:r>
-              <a:rPr lang="en-US" smtClean="0"/>
+              <a:rPr lang="en-US"/>
               <a:t>Third level</a:t>
             </a:r>
           </a:p>
           <a:p>
             <a:pPr lvl="3"/>
             <a:r>
-              <a:rPr lang="en-US" smtClean="0"/>
+              <a:rPr lang="en-US"/>
               <a:t>Fourth level</a:t>
             </a:r>
           </a:p>
           <a:p>
             <a:pPr lvl="4"/>
             <a:r>
-              <a:rPr lang="en-US" smtClean="0"/>
+              <a:rPr lang="en-US"/>
               <a:t>Fifth level</a:t>
             </a:r>
-            <a:endParaRPr lang="en-US"/>
           </a:p>
         </p:txBody>
       </p:sp>
@@ -8127,18 +8126,17 @@
           <a:lstStyle/>
           <a:p>
             <a:r>
-              <a:rPr lang="en-US" dirty="0" smtClean="0"/>
+              <a:rPr lang="en-US" dirty="0"/>
               <a:t>JSON</a:t>
             </a:r>
             <a:r>
-              <a:rPr lang="uk-UA" dirty="0" smtClean="0"/>
+              <a:rPr lang="uk-UA" dirty="0"/>
               <a:t>, зберігання даних</a:t>
             </a:r>
             <a:r>
-              <a:rPr lang="en-US" dirty="0" smtClean="0"/>
+              <a:rPr lang="en-US" dirty="0"/>
               <a:t> </a:t>
             </a:r>
-            <a:endParaRPr lang="en-US" dirty="0"/>
           </a:p>
         </p:txBody>
       </p:sp>
@@ -8206,13 +8204,6 @@
   <p:clrMapOvr>
     <a:masterClrMapping/>
   </p:clrMapOvr>
-  <p:timing>
-    <p:tnLst>
-      <p:par>
-        <p:cTn id="1" dur="indefinite" restart="never" nodeType="tmRoot"/>
-      </p:par>
-    </p:tnLst>
-  </p:timing>
 </p:sld>
 </file>
 
@@ -8249,14 +8240,13 @@
           <a:lstStyle/>
           <a:p>
             <a:r>
-              <a:rPr lang="uk-UA" dirty="0" smtClean="0"/>
+              <a:rPr lang="uk-UA" dirty="0"/>
               <a:t>Вступ в </a:t>
             </a:r>
             <a:r>
-              <a:rPr lang="en-US" dirty="0" smtClean="0"/>
+              <a:rPr lang="en-US" dirty="0"/>
               <a:t>JSON</a:t>
             </a:r>
-            <a:endParaRPr lang="en-US" dirty="0"/>
           </a:p>
         </p:txBody>
       </p:sp>
@@ -8283,7 +8273,7 @@
           <a:lstStyle/>
           <a:p>
             <a:r>
-              <a:rPr lang="en-US" sz="2000" dirty="0" smtClean="0">
+              <a:rPr lang="en-US" sz="2000" dirty="0">
                 <a:effectLst/>
               </a:rPr>
               <a:t>JSON (</a:t>
@@ -8295,7 +8285,7 @@
               <a:t>JavaScript Object Notation</a:t>
             </a:r>
             <a:r>
-              <a:rPr lang="en-US" sz="2000" dirty="0" smtClean="0">
+              <a:rPr lang="en-US" sz="2000" dirty="0">
                 <a:effectLst/>
               </a:rPr>
               <a:t>) - </a:t>
@@ -8466,21 +8456,15 @@
               <a:rPr lang="ru-RU" sz="2000" dirty="0">
                 <a:effectLst/>
               </a:rPr>
-              <a:t> людьми</a:t>
-            </a:r>
-            <a:r>
-              <a:rPr lang="ru-RU" sz="2000" dirty="0" smtClean="0">
-                <a:effectLst/>
-              </a:rPr>
-              <a:t>.</a:t>
-            </a:r>
-            <a:endParaRPr lang="en-US" sz="2000" dirty="0" smtClean="0">
+              <a:t> людьми.</a:t>
+            </a:r>
+            <a:endParaRPr lang="en-US" sz="2000" dirty="0">
               <a:effectLst/>
             </a:endParaRPr>
           </a:p>
           <a:p>
             <a:r>
-              <a:rPr lang="uk-UA" sz="2000" dirty="0" smtClean="0">
+              <a:rPr lang="uk-UA" sz="2000" dirty="0">
                 <a:effectLst/>
               </a:rPr>
               <a:t>Типи даних</a:t>
@@ -8489,7 +8473,7 @@
           <a:p>
             <a:pPr lvl="1"/>
             <a:r>
-              <a:rPr lang="uk-UA" sz="1600" dirty="0" smtClean="0">
+              <a:rPr lang="uk-UA" sz="1600" dirty="0">
                 <a:effectLst/>
               </a:rPr>
               <a:t>Число</a:t>
@@ -8498,31 +8482,31 @@
           <a:p>
             <a:pPr lvl="1"/>
             <a:r>
-              <a:rPr lang="uk-UA" sz="1600" dirty="0" err="1" smtClean="0">
+              <a:rPr lang="uk-UA" sz="1600" dirty="0" err="1">
                 <a:effectLst/>
               </a:rPr>
               <a:t>Строка</a:t>
             </a:r>
             <a:r>
-              <a:rPr lang="uk-UA" sz="1600" dirty="0" smtClean="0">
+              <a:rPr lang="uk-UA" sz="1600" dirty="0">
                 <a:effectLst/>
               </a:rPr>
               <a:t> в подвійних </a:t>
             </a:r>
             <a:r>
-              <a:rPr lang="uk-UA" sz="1600" dirty="0" err="1" smtClean="0">
+              <a:rPr lang="uk-UA" sz="1600" dirty="0" err="1">
                 <a:effectLst/>
               </a:rPr>
               <a:t>кавичках</a:t>
             </a:r>
-            <a:endParaRPr lang="uk-UA" sz="1600" dirty="0" smtClean="0">
+            <a:endParaRPr lang="uk-UA" sz="1600" dirty="0">
               <a:effectLst/>
             </a:endParaRPr>
           </a:p>
           <a:p>
             <a:pPr lvl="1"/>
             <a:r>
-              <a:rPr lang="en-US" sz="1600" dirty="0" smtClean="0">
+              <a:rPr lang="en-US" sz="1600" dirty="0">
                 <a:effectLst/>
               </a:rPr>
               <a:t>false/true</a:t>
@@ -8531,7 +8515,7 @@
           <a:p>
             <a:pPr lvl="1"/>
             <a:r>
-              <a:rPr lang="en-US" sz="1600" dirty="0" smtClean="0">
+              <a:rPr lang="en-US" sz="1600" dirty="0">
                 <a:effectLst/>
               </a:rPr>
               <a:t>null</a:t>
@@ -8539,31 +8523,31 @@
           </a:p>
           <a:p>
             <a:r>
-              <a:rPr lang="uk-UA" sz="2000" dirty="0" err="1" smtClean="0">
+              <a:rPr lang="uk-UA" sz="2000" dirty="0" err="1">
                 <a:effectLst/>
               </a:rPr>
               <a:t>Десереалізація</a:t>
             </a:r>
             <a:r>
-              <a:rPr lang="uk-UA" sz="2000" dirty="0" smtClean="0">
+              <a:rPr lang="uk-UA" sz="2000" dirty="0">
                 <a:effectLst/>
               </a:rPr>
               <a:t> </a:t>
             </a:r>
-            <a:endParaRPr lang="en-US" sz="2000" dirty="0" smtClean="0">
+            <a:endParaRPr lang="en-US" sz="2000" dirty="0">
               <a:effectLst/>
             </a:endParaRPr>
           </a:p>
           <a:p>
             <a:pPr lvl="1"/>
             <a:r>
-              <a:rPr lang="en-US" sz="1600" dirty="0" err="1" smtClean="0">
+              <a:rPr lang="en-US" sz="1600" dirty="0" err="1">
                 <a:effectLst/>
               </a:rPr>
               <a:t>eval</a:t>
             </a:r>
             <a:r>
-              <a:rPr lang="en-US" sz="1600" dirty="0" smtClean="0">
+              <a:rPr lang="en-US" sz="1600" dirty="0">
                 <a:effectLst/>
               </a:rPr>
               <a:t>()</a:t>
@@ -8572,19 +8556,19 @@
           <a:p>
             <a:pPr lvl="1"/>
             <a:r>
-              <a:rPr lang="en-US" sz="1600" dirty="0" err="1" smtClean="0">
+              <a:rPr lang="en-US" sz="1600" dirty="0" err="1">
                 <a:effectLst/>
               </a:rPr>
               <a:t>JSON.parse</a:t>
             </a:r>
             <a:r>
-              <a:rPr lang="en-US" sz="1600" dirty="0" smtClean="0">
+              <a:rPr lang="en-US" sz="1600" dirty="0">
                 <a:effectLst/>
               </a:rPr>
               <a:t>(</a:t>
             </a:r>
             <a:r>
-              <a:rPr lang="en-US" sz="1600" dirty="0" err="1" smtClean="0">
+              <a:rPr lang="en-US" sz="1600" dirty="0" err="1">
                 <a:effectLst/>
               </a:rPr>
               <a:t>str</a:t>
@@ -8593,33 +8577,60 @@
               <a:rPr lang="en-US" sz="1600" dirty="0">
                 <a:effectLst/>
               </a:rPr>
-              <a:t>[, parser]) – </a:t>
-            </a:r>
-            <a:r>
-              <a:rPr lang="en-US" sz="1600" dirty="0" smtClean="0">
-                <a:effectLst/>
-              </a:rPr>
-              <a:t>(parser </a:t>
+              <a:t>[, parser]) – (parser -function(key, value))</a:t>
+            </a:r>
+          </a:p>
+          <a:p>
+            <a:r>
+              <a:rPr lang="en-US" sz="2000" dirty="0">
+                <a:effectLst/>
+              </a:rPr>
+              <a:t>JSON5</a:t>
+            </a:r>
+          </a:p>
+          <a:p>
+            <a:pPr lvl="1"/>
+            <a:r>
+              <a:rPr lang="uk-UA" sz="1600" dirty="0">
+                <a:effectLst/>
+              </a:rPr>
+              <a:t>Підтримуються як однорядкові, так і багаторядкові коментарі.</a:t>
+            </a:r>
+          </a:p>
+          <a:p>
+            <a:pPr lvl="1"/>
+            <a:r>
+              <a:rPr lang="uk-UA" sz="1600" dirty="0">
+                <a:effectLst/>
+              </a:rPr>
+              <a:t>Об'єкти і списки можуть мати кому після останнього елемента (зручно при копіюванні).</a:t>
+            </a:r>
+          </a:p>
+          <a:p>
+            <a:pPr lvl="1"/>
+            <a:r>
+              <a:rPr lang="uk-UA" sz="1600" dirty="0">
+                <a:effectLst/>
+              </a:rPr>
+              <a:t>Ключі об'єкта можуть бути без лапок, якщо вони є </a:t>
+            </a:r>
+            <a:r>
+              <a:rPr lang="uk-UA" sz="1600" dirty="0" err="1">
+                <a:effectLst/>
+              </a:rPr>
+              <a:t>валідними</a:t>
+            </a:r>
+            <a:r>
+              <a:rPr lang="uk-UA" sz="1600" dirty="0">
+                <a:effectLst/>
+              </a:rPr>
+              <a:t> ідентифікаторами </a:t>
             </a:r>
             <a:r>
               <a:rPr lang="en-US" sz="1600" dirty="0">
                 <a:effectLst/>
               </a:rPr>
-              <a:t>-function(key, value</a:t>
-            </a:r>
-            <a:r>
-              <a:rPr lang="en-US" sz="1600" dirty="0" smtClean="0">
-                <a:effectLst/>
-              </a:rPr>
-              <a:t>))</a:t>
-            </a:r>
-          </a:p>
-          <a:p>
-            <a:r>
-              <a:rPr lang="en-US" sz="2000" dirty="0" smtClean="0">
-                <a:effectLst/>
-              </a:rPr>
-              <a:t>JSON5</a:t>
+              <a:t>ECMAScript 5.</a:t>
             </a:r>
           </a:p>
           <a:p>
@@ -8628,7 +8639,7 @@
               <a:rPr lang="uk-UA" sz="1600" dirty="0">
                 <a:effectLst/>
               </a:rPr>
-              <a:t>Підтримуються як однорядкові, так і багаторядкові коментарі.</a:t>
+              <a:t>Рядки можуть полягати як в одинарні, так і в подвійні лапки.</a:t>
             </a:r>
           </a:p>
           <a:p>
@@ -8637,122 +8648,74 @@
               <a:rPr lang="uk-UA" sz="1600" dirty="0">
                 <a:effectLst/>
               </a:rPr>
-              <a:t>Об'єкти і списки можуть мати кому після останнього елемента (зручно при копіюванні).</a:t>
-            </a:r>
-          </a:p>
-          <a:p>
-            <a:pPr lvl="1"/>
+              <a:t>Числа можуть бути в </a:t>
+            </a:r>
+            <a:r>
+              <a:rPr lang="uk-UA" sz="1600" dirty="0" err="1">
+                <a:effectLst/>
+              </a:rPr>
+              <a:t>шістнадцятковому</a:t>
+            </a:r>
             <a:r>
               <a:rPr lang="uk-UA" sz="1600" dirty="0">
                 <a:effectLst/>
               </a:rPr>
-              <a:t>Ключі об'єкта можуть бути без лапок, якщо вони є </a:t>
+              <a:t> вигляді, починатися або закінчуватися десятковою крапкою, нескінченність включати, -</a:t>
+            </a:r>
+            <a:r>
+              <a:rPr lang="en-US" sz="1600" dirty="0">
+                <a:effectLst/>
+              </a:rPr>
+              <a:t>Infinity, </a:t>
+            </a:r>
+            <a:r>
+              <a:rPr lang="en-US" sz="1600" dirty="0" err="1">
+                <a:effectLst/>
+              </a:rPr>
+              <a:t>NaN</a:t>
+            </a:r>
+            <a:r>
+              <a:rPr lang="en-US" sz="1600" dirty="0">
+                <a:effectLst/>
+              </a:rPr>
+              <a:t> </a:t>
+            </a:r>
+            <a:r>
+              <a:rPr lang="uk-UA" sz="1600" dirty="0">
+                <a:effectLst/>
+              </a:rPr>
+              <a:t>і -</a:t>
+            </a:r>
+            <a:r>
+              <a:rPr lang="en-US" sz="1600" dirty="0" err="1">
+                <a:effectLst/>
+              </a:rPr>
+              <a:t>NaN</a:t>
+            </a:r>
+            <a:r>
+              <a:rPr lang="en-US" sz="1600" dirty="0">
+                <a:effectLst/>
+              </a:rPr>
+              <a:t>, </a:t>
+            </a:r>
+            <a:r>
+              <a:rPr lang="uk-UA" sz="1600" dirty="0">
+                <a:effectLst/>
+              </a:rPr>
+              <a:t>починатися зі </a:t>
             </a:r>
             <a:r>
               <a:rPr lang="uk-UA" sz="1600" dirty="0" err="1">
                 <a:effectLst/>
               </a:rPr>
-              <a:t>валідними</a:t>
+              <a:t>знака</a:t>
             </a:r>
             <a:r>
               <a:rPr lang="uk-UA" sz="1600" dirty="0">
                 <a:effectLst/>
               </a:rPr>
-              <a:t> ідентифікаторами </a:t>
-            </a:r>
-            <a:r>
-              <a:rPr lang="en-US" sz="1600" dirty="0">
-                <a:effectLst/>
-              </a:rPr>
-              <a:t>ECMAScript 5.</a:t>
-            </a:r>
-          </a:p>
-          <a:p>
-            <a:pPr lvl="1"/>
-            <a:r>
-              <a:rPr lang="uk-UA" sz="1600" dirty="0">
-                <a:effectLst/>
-              </a:rPr>
-              <a:t>Рядки можуть полягати як в одинарні, так і в подвійні лапки.</a:t>
-            </a:r>
-          </a:p>
-          <a:p>
-            <a:pPr lvl="1"/>
-            <a:r>
-              <a:rPr lang="uk-UA" sz="1600" dirty="0">
-                <a:effectLst/>
-              </a:rPr>
-              <a:t>Числа можуть бути в </a:t>
-            </a:r>
-            <a:r>
-              <a:rPr lang="uk-UA" sz="1600" dirty="0" err="1">
-                <a:effectLst/>
-              </a:rPr>
-              <a:t>шістнадцятковому</a:t>
-            </a:r>
-            <a:r>
-              <a:rPr lang="uk-UA" sz="1600" dirty="0">
-                <a:effectLst/>
-              </a:rPr>
-              <a:t> вигляді, починатися або закінчуватися десятковою крапкою, нескінченність включати, -</a:t>
-            </a:r>
-            <a:r>
-              <a:rPr lang="en-US" sz="1600" dirty="0">
-                <a:effectLst/>
-              </a:rPr>
-              <a:t>Infinity, </a:t>
-            </a:r>
-            <a:r>
-              <a:rPr lang="en-US" sz="1600" dirty="0" err="1">
-                <a:effectLst/>
-              </a:rPr>
-              <a:t>NaN</a:t>
-            </a:r>
-            <a:r>
-              <a:rPr lang="en-US" sz="1600" dirty="0">
-                <a:effectLst/>
-              </a:rPr>
-              <a:t> </a:t>
-            </a:r>
-            <a:r>
-              <a:rPr lang="uk-UA" sz="1600" dirty="0">
-                <a:effectLst/>
-              </a:rPr>
-              <a:t>і -</a:t>
-            </a:r>
-            <a:r>
-              <a:rPr lang="en-US" sz="1600" dirty="0" err="1">
-                <a:effectLst/>
-              </a:rPr>
-              <a:t>NaN</a:t>
-            </a:r>
-            <a:r>
-              <a:rPr lang="en-US" sz="1600" dirty="0">
-                <a:effectLst/>
-              </a:rPr>
-              <a:t>, </a:t>
-            </a:r>
-            <a:r>
-              <a:rPr lang="uk-UA" sz="1600" dirty="0">
-                <a:effectLst/>
-              </a:rPr>
-              <a:t>починатися зі </a:t>
-            </a:r>
-            <a:r>
-              <a:rPr lang="uk-UA" sz="1600" dirty="0" err="1">
-                <a:effectLst/>
-              </a:rPr>
-              <a:t>знака</a:t>
-            </a:r>
-            <a:r>
-              <a:rPr lang="uk-UA" sz="1600" dirty="0">
-                <a:effectLst/>
-              </a:rPr>
               <a:t> +.</a:t>
             </a:r>
-            <a:endParaRPr lang="uk-UA" sz="1600" dirty="0" smtClean="0">
-              <a:effectLst/>
-            </a:endParaRPr>
           </a:p>
         </p:txBody>
       </p:sp>
@@ -8766,13 +8729,6 @@
   <p:clrMapOvr>
     <a:masterClrMapping/>
   </p:clrMapOvr>
-  <p:timing>
-    <p:tnLst>
-      <p:par>
-        <p:cTn id="1" dur="indefinite" restart="never" nodeType="tmRoot"/>
-      </p:par>
-    </p:tnLst>
-  </p:timing>
 </p:sld>
 </file>
 
@@ -8809,10 +8765,9 @@
           <a:lstStyle/>
           <a:p>
             <a:r>
-              <a:rPr lang="en-US" dirty="0" smtClean="0"/>
+              <a:rPr lang="en-US" dirty="0"/>
               <a:t>Cookie</a:t>
             </a:r>
-            <a:endParaRPr lang="en-US" dirty="0"/>
           </a:p>
         </p:txBody>
       </p:sp>
@@ -8839,7 +8794,7 @@
           <a:lstStyle/>
           <a:p>
             <a:r>
-              <a:rPr lang="en-US" sz="2000" dirty="0" smtClean="0">
+              <a:rPr lang="en-US" sz="2000" dirty="0">
                 <a:effectLst/>
               </a:rPr>
               <a:t>cookie - </a:t>
@@ -8860,13 +8815,7 @@
               <a:rPr lang="uk-UA" sz="2000" dirty="0">
                 <a:effectLst/>
               </a:rPr>
-              <a:t>запиту</a:t>
-            </a:r>
-            <a:r>
-              <a:rPr lang="uk-UA" sz="2000" dirty="0" smtClean="0">
-                <a:effectLst/>
-              </a:rPr>
-              <a:t>.</a:t>
+              <a:t>запиту.</a:t>
             </a:r>
           </a:p>
           <a:p>
@@ -9014,7 +8963,7 @@
           </a:p>
           <a:p>
             <a:r>
-              <a:rPr lang="uk-UA" sz="2000" dirty="0" smtClean="0">
+              <a:rPr lang="uk-UA" sz="2000" dirty="0">
                 <a:effectLst/>
               </a:rPr>
               <a:t>Встановлення </a:t>
@@ -9040,24 +8989,24 @@
               </a:rPr>
               <a:t>; PATH=path; SECURE</a:t>
             </a:r>
-            <a:endParaRPr lang="uk-UA" sz="1600" dirty="0" smtClean="0">
+            <a:endParaRPr lang="uk-UA" sz="1600" dirty="0">
               <a:effectLst/>
             </a:endParaRPr>
           </a:p>
           <a:p>
             <a:r>
-              <a:rPr lang="en-US" sz="2000" dirty="0" err="1" smtClean="0">
+              <a:rPr lang="en-US" sz="2000" dirty="0" err="1">
                 <a:effectLst/>
               </a:rPr>
               <a:t>document.cookie</a:t>
             </a:r>
-            <a:endParaRPr lang="uk-UA" sz="2000" dirty="0" smtClean="0">
+            <a:endParaRPr lang="uk-UA" sz="2000" dirty="0">
               <a:effectLst/>
             </a:endParaRPr>
           </a:p>
           <a:p>
             <a:r>
-              <a:rPr lang="uk-UA" sz="2000" dirty="0" smtClean="0">
+              <a:rPr lang="uk-UA" sz="2000" dirty="0">
                 <a:effectLst/>
               </a:rPr>
               <a:t>Розмір </a:t>
@@ -9164,7 +9113,7 @@
               </a:rPr>
               <a:t>доменів</a:t>
             </a:r>
-            <a:endParaRPr lang="en-US" sz="1600" dirty="0" smtClean="0">
+            <a:endParaRPr lang="en-US" sz="1600" dirty="0">
               <a:effectLst/>
             </a:endParaRPr>
           </a:p>
@@ -9180,13 +9129,6 @@
   <p:clrMapOvr>
     <a:masterClrMapping/>
   </p:clrMapOvr>
-  <p:timing>
-    <p:tnLst>
-      <p:par>
-        <p:cTn id="1" dur="indefinite" restart="never" nodeType="tmRoot"/>
-      </p:par>
-    </p:tnLst>
-  </p:timing>
 </p:sld>
 </file>
 
@@ -9223,10 +9165,9 @@
           <a:lstStyle/>
           <a:p>
             <a:r>
-              <a:rPr lang="en-US" dirty="0" smtClean="0"/>
+              <a:rPr lang="en-US" dirty="0"/>
               <a:t>Web Storage</a:t>
             </a:r>
-            <a:endParaRPr lang="en-US" dirty="0"/>
           </a:p>
         </p:txBody>
       </p:sp>
@@ -9253,140 +9194,69 @@
           <a:lstStyle/>
           <a:p>
             <a:r>
-              <a:rPr lang="uk-UA" sz="2000" dirty="0" smtClean="0">
+              <a:rPr lang="uk-UA" sz="2000" dirty="0">
                 <a:effectLst/>
               </a:rPr>
               <a:t>Об</a:t>
             </a:r>
             <a:r>
-              <a:rPr lang="en-US" sz="2000" dirty="0" smtClean="0">
+              <a:rPr lang="en-US" sz="2000" dirty="0">
                 <a:effectLst/>
               </a:rPr>
               <a:t>’</a:t>
             </a:r>
             <a:r>
-              <a:rPr lang="uk-UA" sz="2000" dirty="0" err="1" smtClean="0">
+              <a:rPr lang="uk-UA" sz="2000" dirty="0" err="1">
                 <a:effectLst/>
               </a:rPr>
               <a:t>єкт</a:t>
             </a:r>
             <a:r>
-              <a:rPr lang="uk-UA" sz="2000" dirty="0" smtClean="0">
+              <a:rPr lang="uk-UA" sz="2000" dirty="0">
                 <a:effectLst/>
               </a:rPr>
               <a:t> </a:t>
             </a:r>
             <a:r>
-              <a:rPr lang="en-US" sz="2000" dirty="0" err="1" smtClean="0">
+              <a:rPr lang="en-US" sz="2000" dirty="0" err="1">
                 <a:effectLst/>
               </a:rPr>
               <a:t>localStorage</a:t>
             </a:r>
-            <a:endParaRPr lang="en-US" sz="2000" dirty="0" smtClean="0">
+            <a:endParaRPr lang="en-US" sz="2000" dirty="0">
               <a:effectLst/>
             </a:endParaRPr>
           </a:p>
           <a:p>
             <a:r>
-              <a:rPr lang="uk-UA" sz="2000" dirty="0" smtClean="0">
+              <a:rPr lang="uk-UA" sz="2000" dirty="0">
                 <a:effectLst/>
               </a:rPr>
               <a:t>Об</a:t>
             </a:r>
             <a:r>
-              <a:rPr lang="en-US" sz="2000" dirty="0" smtClean="0">
+              <a:rPr lang="en-US" sz="2000" dirty="0">
                 <a:effectLst/>
               </a:rPr>
               <a:t>’</a:t>
             </a:r>
             <a:r>
-              <a:rPr lang="uk-UA" sz="2000" dirty="0" err="1" smtClean="0">
+              <a:rPr lang="uk-UA" sz="2000" dirty="0" err="1">
                 <a:effectLst/>
               </a:rPr>
               <a:t>єкт</a:t>
             </a:r>
             <a:r>
-              <a:rPr lang="uk-UA" sz="2000" dirty="0" smtClean="0">
+              <a:rPr lang="uk-UA" sz="2000" dirty="0">
                 <a:effectLst/>
               </a:rPr>
               <a:t> </a:t>
             </a:r>
             <a:r>
-              <a:rPr lang="en-US" sz="2000" dirty="0" err="1" smtClean="0">
+              <a:rPr lang="en-US" sz="2000" dirty="0" err="1">
                 <a:effectLst/>
               </a:rPr>
               <a:t>sessionStorage</a:t>
-            </a:r>
-            <a:endParaRPr lang="uk-UA" sz="2000" dirty="0" smtClean="0">
-              <a:effectLst/>
-            </a:endParaRPr>
-          </a:p>
-          <a:p>
-            <a:r>
-              <a:rPr lang="en-US" sz="2000" dirty="0" smtClean="0">
-                <a:effectLst/>
-              </a:rPr>
-              <a:t>.</a:t>
-            </a:r>
-            <a:r>
-              <a:rPr lang="en-US" sz="2000" dirty="0" err="1" smtClean="0">
-                <a:effectLst/>
-              </a:rPr>
-              <a:t>getItem</a:t>
-            </a:r>
-            <a:r>
-              <a:rPr lang="en-US" sz="2000" dirty="0" smtClean="0">
-                <a:effectLst/>
-              </a:rPr>
-              <a:t>(key, value)</a:t>
-            </a:r>
-          </a:p>
-          <a:p>
-            <a:r>
-              <a:rPr lang="en-US" sz="2000" dirty="0" smtClean="0">
-                <a:effectLst/>
-              </a:rPr>
-              <a:t>.</a:t>
-            </a:r>
-            <a:r>
-              <a:rPr lang="en-US" sz="2000" dirty="0" err="1" smtClean="0">
-                <a:effectLst/>
-              </a:rPr>
-              <a:t>setItem</a:t>
-            </a:r>
-            <a:r>
-              <a:rPr lang="en-US" sz="2000" dirty="0" smtClean="0">
-                <a:effectLst/>
-              </a:rPr>
-              <a:t>(key, value)</a:t>
-            </a:r>
-          </a:p>
-          <a:p>
-            <a:r>
-              <a:rPr lang="en-US" sz="2000" dirty="0" smtClean="0">
-                <a:effectLst/>
-              </a:rPr>
-              <a:t>.clear()</a:t>
-            </a:r>
-          </a:p>
-          <a:p>
-            <a:r>
-              <a:rPr lang="en-US" sz="2000" dirty="0" smtClean="0">
-                <a:effectLst/>
-              </a:rPr>
-              <a:t>.</a:t>
-            </a:r>
-            <a:r>
-              <a:rPr lang="en-US" sz="2000" dirty="0" err="1" smtClean="0">
-                <a:effectLst/>
-              </a:rPr>
-              <a:t>reoveItem</a:t>
-            </a:r>
-            <a:r>
-              <a:rPr lang="en-US" sz="2000" dirty="0" smtClean="0">
-                <a:effectLst/>
-              </a:rPr>
-              <a:t>(key)</a:t>
             </a:r>
             <a:endParaRPr lang="uk-UA" sz="2000" dirty="0">
               <a:effectLst/>
@@ -9394,45 +9264,116 @@
           </a:p>
           <a:p>
             <a:r>
-              <a:rPr lang="uk-UA" sz="2000" dirty="0" smtClean="0">
-                <a:effectLst/>
-              </a:rPr>
-              <a:t>Подія </a:t>
-            </a:r>
-            <a:r>
-              <a:rPr lang="en-US" sz="2000" dirty="0" err="1" smtClean="0">
-                <a:effectLst/>
-              </a:rPr>
-              <a:t>onstorage</a:t>
-            </a:r>
-            <a:endParaRPr lang="uk-UA" sz="2000" dirty="0" smtClean="0">
-              <a:effectLst/>
-            </a:endParaRPr>
-          </a:p>
-          <a:p>
-            <a:r>
-              <a:rPr lang="uk-UA" sz="2000" dirty="0" smtClean="0">
-                <a:effectLst/>
-              </a:rPr>
-              <a:t>Розмір від 5 до 10 </a:t>
-            </a:r>
-            <a:r>
-              <a:rPr lang="uk-UA" sz="2000" dirty="0" err="1" smtClean="0">
-                <a:effectLst/>
-              </a:rPr>
-              <a:t>Мб</a:t>
+              <a:rPr lang="en-US" sz="2000" dirty="0">
+                <a:effectLst/>
+              </a:rPr>
+              <a:t>.</a:t>
+            </a:r>
+            <a:r>
+              <a:rPr lang="en-US" sz="2000" dirty="0" err="1">
+                <a:effectLst/>
+              </a:rPr>
+              <a:t>getItem</a:t>
+            </a:r>
+            <a:r>
+              <a:rPr lang="en-US" sz="2000" dirty="0">
+                <a:effectLst/>
+              </a:rPr>
+              <a:t>(key, value)</a:t>
+            </a:r>
+          </a:p>
+          <a:p>
+            <a:r>
+              <a:rPr lang="en-US" sz="2000" dirty="0">
+                <a:effectLst/>
+              </a:rPr>
+              <a:t>.</a:t>
+            </a:r>
+            <a:r>
+              <a:rPr lang="en-US" sz="2000" dirty="0" err="1">
+                <a:effectLst/>
+              </a:rPr>
+              <a:t>setItem</a:t>
+            </a:r>
+            <a:r>
+              <a:rPr lang="en-US" sz="2000" dirty="0">
+                <a:effectLst/>
+              </a:rPr>
+              <a:t>(key, value)</a:t>
+            </a:r>
+          </a:p>
+          <a:p>
+            <a:r>
+              <a:rPr lang="en-US" sz="2000" dirty="0">
+                <a:effectLst/>
+              </a:rPr>
+              <a:t>.clear()</a:t>
+            </a:r>
+          </a:p>
+          <a:p>
+            <a:r>
+              <a:rPr lang="en-US" sz="2000" dirty="0">
+                <a:effectLst/>
+              </a:rPr>
+              <a:t>.</a:t>
+            </a:r>
+            <a:r>
+              <a:rPr lang="en-US" sz="2000" dirty="0" err="1">
+                <a:effectLst/>
+              </a:rPr>
+              <a:t>reoveItem</a:t>
+            </a:r>
+            <a:r>
+              <a:rPr lang="en-US" sz="2000" dirty="0">
+                <a:effectLst/>
+              </a:rPr>
+              <a:t>(key)</a:t>
             </a:r>
             <a:endParaRPr lang="uk-UA" sz="2000" dirty="0">
               <a:effectLst/>
             </a:endParaRPr>
           </a:p>
           <a:p>
-            <a:endParaRPr lang="en-US" sz="2000" dirty="0" smtClean="0">
+            <a:r>
+              <a:rPr lang="uk-UA" sz="2000" dirty="0">
+                <a:effectLst/>
+              </a:rPr>
+              <a:t>Подія </a:t>
+            </a:r>
+            <a:r>
+              <a:rPr lang="en-US" sz="2000" dirty="0" err="1">
+                <a:effectLst/>
+              </a:rPr>
+              <a:t>onstorage</a:t>
+            </a:r>
+            <a:endParaRPr lang="uk-UA" sz="2000" dirty="0">
               <a:effectLst/>
             </a:endParaRPr>
           </a:p>
           <a:p>
-            <a:endParaRPr lang="uk-UA" sz="2000" dirty="0" smtClean="0">
+            <a:r>
+              <a:rPr lang="uk-UA" sz="2000" dirty="0">
+                <a:effectLst/>
+              </a:rPr>
+              <a:t>Розмір від 5 до 10 </a:t>
+            </a:r>
+            <a:r>
+              <a:rPr lang="uk-UA" sz="2000" dirty="0" err="1">
+                <a:effectLst/>
+              </a:rPr>
+              <a:t>Мб</a:t>
+            </a:r>
+            <a:endParaRPr lang="uk-UA" sz="2000" dirty="0">
+              <a:effectLst/>
+            </a:endParaRPr>
+          </a:p>
+          <a:p>
+            <a:endParaRPr lang="en-US" sz="2000" dirty="0">
+              <a:effectLst/>
+            </a:endParaRPr>
+          </a:p>
+          <a:p>
+            <a:endParaRPr lang="uk-UA" sz="2000" dirty="0">
               <a:effectLst/>
             </a:endParaRPr>
           </a:p>
@@ -9448,13 +9389,6 @@
   <p:clrMapOvr>
     <a:masterClrMapping/>
   </p:clrMapOvr>
-  <p:timing>
-    <p:tnLst>
-      <p:par>
-        <p:cTn id="1" dur="indefinite" restart="never" nodeType="tmRoot"/>
-      </p:par>
-    </p:tnLst>
-  </p:timing>
 </p:sld>
 </file>
 
@@ -9491,10 +9425,9 @@
           <a:lstStyle/>
           <a:p>
             <a:r>
-              <a:rPr lang="en-US" dirty="0" smtClean="0"/>
+              <a:rPr lang="en-US" dirty="0"/>
               <a:t>Web SQL</a:t>
             </a:r>
-            <a:endParaRPr lang="en-US" dirty="0"/>
           </a:p>
         </p:txBody>
       </p:sp>
@@ -9515,85 +9448,37 @@
           </a:xfrm>
         </p:spPr>
         <p:txBody>
-          <a:bodyPr>
+          <a:bodyPr vert="horz" lIns="91440" tIns="45720" rIns="91440" bIns="45720" rtlCol="0" anchor="t">
             <a:normAutofit/>
           </a:bodyPr>
           <a:lstStyle/>
           <a:p>
             <a:r>
-              <a:rPr lang="en-US" sz="2000" dirty="0" err="1">
-                <a:effectLst/>
-              </a:rPr>
-              <a:t>o</a:t>
-            </a:r>
-            <a:r>
-              <a:rPr lang="en-US" sz="2000" dirty="0" err="1" smtClean="0">
-                <a:effectLst/>
-              </a:rPr>
-              <a:t>penDatabase</a:t>
-            </a:r>
-            <a:r>
-              <a:rPr lang="en-US" sz="2000" dirty="0" smtClean="0">
-                <a:effectLst/>
-              </a:rPr>
-              <a:t> </a:t>
-            </a:r>
-            <a:r>
               <a:rPr lang="en-US" sz="2000" dirty="0">
                 <a:effectLst/>
               </a:rPr>
-              <a:t>- </a:t>
+              <a:t>openDatabase - </a:t>
             </a:r>
             <a:r>
               <a:rPr lang="uk-UA" sz="2000" dirty="0">
                 <a:effectLst/>
               </a:rPr>
-              <a:t>цей метод буде створити екземпляр об'єкта бази даних, якщо така БД існує, інакше створить нову</a:t>
-            </a:r>
-            <a:r>
-              <a:rPr lang="uk-UA" sz="2000" dirty="0" smtClean="0">
-                <a:effectLst/>
-              </a:rPr>
-              <a:t>.</a:t>
+              <a:t>цей метод буде створити екземпляр об'єкта бази даних, якщо така БД існує, інакше створить нову.</a:t>
             </a:r>
           </a:p>
           <a:p>
             <a:pPr lvl="1"/>
             <a:r>
-              <a:rPr lang="en-US" sz="1600" dirty="0" err="1">
-                <a:effectLst/>
-              </a:rPr>
-              <a:t>openDatabase</a:t>
-            </a:r>
-            <a:r>
-              <a:rPr lang="en-US" sz="1600" dirty="0" smtClean="0">
-                <a:effectLst/>
-              </a:rPr>
-              <a:t>("name","</a:t>
-            </a:r>
-            <a:r>
               <a:rPr lang="en-US" sz="1600" dirty="0">
                 <a:effectLst/>
               </a:rPr>
-              <a:t>1.0</a:t>
-            </a:r>
-            <a:r>
-              <a:rPr lang="en-US" sz="1600" dirty="0" smtClean="0">
-                <a:effectLst/>
-              </a:rPr>
-              <a:t>","description</a:t>
-            </a:r>
-            <a:r>
-              <a:rPr lang="uk-UA" sz="1600" dirty="0" smtClean="0">
-                <a:effectLst/>
-              </a:rPr>
-              <a:t>",</a:t>
+              <a:t>openDatabase("name","1.0","description</a:t>
             </a:r>
             <a:r>
               <a:rPr lang="uk-UA" sz="1600" dirty="0">
                 <a:effectLst/>
               </a:rPr>
-              <a:t>5 * 1024 * 1024);</a:t>
+              <a:t>",5 * 1024 * 1024);</a:t>
             </a:r>
           </a:p>
           <a:p>
@@ -9604,24 +9489,12 @@
               <a:t>transaction </a:t>
             </a:r>
             <a:r>
-              <a:rPr lang="uk-UA" sz="2000" dirty="0" smtClean="0">
-                <a:effectLst/>
-              </a:rPr>
-              <a:t> </a:t>
-            </a:r>
-            <a:r>
               <a:rPr lang="uk-UA" sz="2000" dirty="0">
                 <a:effectLst/>
               </a:rPr>
-              <a:t>- цей метод дозволяє здійснювати транзакції з базою даних</a:t>
-            </a:r>
-            <a:r>
-              <a:rPr lang="uk-UA" sz="2000" dirty="0" smtClean="0">
-                <a:effectLst/>
-              </a:rPr>
-              <a:t>.</a:t>
-            </a:r>
-            <a:endParaRPr lang="en-US" sz="2000" dirty="0" smtClean="0">
+              <a:t> - цей метод дозволяє здійснювати транзакції з базою даних.</a:t>
+            </a:r>
+            <a:endParaRPr lang="en-US" sz="2000" dirty="0">
               <a:effectLst/>
             </a:endParaRPr>
           </a:p>
@@ -9630,28 +9503,39 @@
               <a:buNone/>
             </a:pPr>
             <a:r>
+              <a:rPr lang="en-US" sz="1600" dirty="0">
+                <a:effectLst/>
+              </a:rPr>
+              <a:t>db.transaction(function (</a:t>
+            </a:r>
+            <a:r>
               <a:rPr lang="en-US" sz="1600" dirty="0" err="1">
                 <a:effectLst/>
               </a:rPr>
-              <a:t>db.transaction</a:t>
+              <a:t>tx</a:t>
             </a:r>
             <a:r>
               <a:rPr lang="en-US" sz="1600" dirty="0">
                 <a:effectLst/>
               </a:rPr>
-              <a:t>(function (</a:t>
-            </a:r>
-            <a:r>
-              <a:rPr lang="en-US" sz="1600" dirty="0" err="1">
-                <a:effectLst/>
-              </a:rPr>
-              <a:t>tx</a:t>
-            </a:r>
+              <a:t>) {</a:t>
+            </a:r>
+          </a:p>
+          <a:p>
+            <a:pPr marL="457200" lvl="1" indent="0">
+              <a:buNone/>
+            </a:pPr>
             <a:r>
               <a:rPr lang="en-US" sz="1600" dirty="0">
                 <a:effectLst/>
               </a:rPr>
-              <a:t>) {</a:t>
+              <a:t>    // SQL </a:t>
+            </a:r>
+            <a:r>
+              <a:rPr lang="uk-UA" sz="1600" dirty="0">
+                <a:effectLst/>
+              </a:rPr>
+              <a:t>запити</a:t>
             </a:r>
           </a:p>
           <a:p>
@@ -9659,114 +9543,49 @@
               <a:buNone/>
             </a:pPr>
             <a:r>
+              <a:rPr lang="uk-UA" sz="1600" dirty="0">
+                <a:effectLst/>
+              </a:rPr>
+              <a:t>});</a:t>
+            </a:r>
+          </a:p>
+          <a:p>
+            <a:r>
+              <a:rPr lang="en-US" sz="2000" dirty="0">
+                <a:effectLst/>
+              </a:rPr>
+              <a:t>executeSQL - </a:t>
+            </a:r>
+            <a:r>
+              <a:rPr lang="uk-UA" sz="2000" dirty="0">
+                <a:effectLst/>
+              </a:rPr>
+              <a:t>дозволить нам запускати </a:t>
+            </a:r>
+            <a:r>
+              <a:rPr lang="en-US" sz="2000" dirty="0">
+                <a:effectLst/>
+              </a:rPr>
+              <a:t>SQL </a:t>
+            </a:r>
+            <a:r>
+              <a:rPr lang="uk-UA" sz="2000" dirty="0">
+                <a:effectLst/>
+              </a:rPr>
+              <a:t>запити, такі як читати, вставляти та видаляти записи.</a:t>
+            </a:r>
+          </a:p>
+          <a:p>
+            <a:pPr marL="457200" lvl="1" indent="0">
+              <a:buNone/>
+            </a:pPr>
+            <a:r>
               <a:rPr lang="en-US" sz="1600" dirty="0">
                 <a:effectLst/>
               </a:rPr>
-              <a:t>    </a:t>
-            </a:r>
-            <a:r>
-              <a:rPr lang="en-US" sz="1600" dirty="0" smtClean="0">
-                <a:effectLst/>
-              </a:rPr>
-              <a:t>// SQL </a:t>
-            </a:r>
-            <a:r>
-              <a:rPr lang="uk-UA" sz="1600" dirty="0" smtClean="0">
-                <a:effectLst/>
-              </a:rPr>
-              <a:t>запити</a:t>
+              <a:t>tx.executeSql('CREATE TABLE IF IT DOES NOT EXIST todo (id INTEGER, foo TEXT)');</a:t>
             </a:r>
             <a:endParaRPr lang="uk-UA" sz="1600" dirty="0">
-              <a:effectLst/>
-            </a:endParaRPr>
-          </a:p>
-          <a:p>
-            <a:pPr marL="457200" lvl="1" indent="0">
-              <a:buNone/>
-            </a:pPr>
-            <a:r>
-              <a:rPr lang="uk-UA" sz="1600" dirty="0" smtClean="0">
-                <a:effectLst/>
-              </a:rPr>
-              <a:t>});</a:t>
-            </a:r>
-            <a:endParaRPr lang="uk-UA" sz="1600" dirty="0">
-              <a:effectLst/>
-            </a:endParaRPr>
-          </a:p>
-          <a:p>
-            <a:r>
-              <a:rPr lang="en-US" sz="2000" dirty="0" err="1" smtClean="0">
-                <a:effectLst/>
-              </a:rPr>
-              <a:t>executeSQL</a:t>
-            </a:r>
-            <a:r>
-              <a:rPr lang="en-US" sz="2000" dirty="0" smtClean="0">
-                <a:effectLst/>
-              </a:rPr>
-              <a:t> </a:t>
-            </a:r>
-            <a:r>
-              <a:rPr lang="en-US" sz="2000" dirty="0">
-                <a:effectLst/>
-              </a:rPr>
-              <a:t>- </a:t>
-            </a:r>
-            <a:r>
-              <a:rPr lang="uk-UA" sz="2000" dirty="0">
-                <a:effectLst/>
-              </a:rPr>
-              <a:t>дозволить нам запускати </a:t>
-            </a:r>
-            <a:r>
-              <a:rPr lang="en-US" sz="2000" dirty="0">
-                <a:effectLst/>
-              </a:rPr>
-              <a:t>SQL </a:t>
-            </a:r>
-            <a:r>
-              <a:rPr lang="uk-UA" sz="2000" dirty="0">
-                <a:effectLst/>
-              </a:rPr>
-              <a:t>запити, такі як читати, вставляти та видаляти записи</a:t>
-            </a:r>
-            <a:r>
-              <a:rPr lang="uk-UA" sz="2000" dirty="0" smtClean="0">
-                <a:effectLst/>
-              </a:rPr>
-              <a:t>.</a:t>
-            </a:r>
-          </a:p>
-          <a:p>
-            <a:pPr marL="457200" lvl="1" indent="0">
-              <a:buNone/>
-            </a:pPr>
-            <a:r>
-              <a:rPr lang="en-US" sz="1600" dirty="0" err="1">
-                <a:effectLst/>
-              </a:rPr>
-              <a:t>tx.executeSql</a:t>
-            </a:r>
-            <a:r>
-              <a:rPr lang="en-US" sz="1600" dirty="0">
-                <a:effectLst/>
-              </a:rPr>
-              <a:t>('CREATE TABLE IF IT DOES NOT EXIST </a:t>
-            </a:r>
-            <a:r>
-              <a:rPr lang="en-US" sz="1600" dirty="0" err="1">
-                <a:effectLst/>
-              </a:rPr>
-              <a:t>todo</a:t>
-            </a:r>
-            <a:r>
-              <a:rPr lang="en-US" sz="1600" dirty="0">
-                <a:effectLst/>
-              </a:rPr>
-              <a:t> (id INTEGER, foo TEXT)');</a:t>
-            </a:r>
-            <a:endParaRPr lang="uk-UA" sz="1600" dirty="0" smtClean="0">
               <a:effectLst/>
             </a:endParaRPr>
           </a:p>
@@ -9782,13 +9601,6 @@
   <p:clrMapOvr>
     <a:masterClrMapping/>
   </p:clrMapOvr>
-  <p:timing>
-    <p:tnLst>
-      <p:par>
-        <p:cTn id="1" dur="indefinite" restart="never" nodeType="tmRoot"/>
-      </p:par>
-    </p:tnLst>
-  </p:timing>
 </p:sld>
 </file>
 
@@ -9825,16 +9637,8 @@
           <a:lstStyle/>
           <a:p>
             <a:r>
-              <a:rPr lang="en-US" dirty="0" err="1" smtClean="0"/>
-              <a:t>Index</a:t>
-            </a:r>
-            <a:r>
-              <a:rPr lang="en-US" dirty="0" err="1" smtClean="0"/>
-              <a:t>ed</a:t>
-            </a:r>
-            <a:r>
-              <a:rPr lang="en-US" dirty="0" err="1" smtClean="0"/>
-              <a:t>DB</a:t>
+              <a:rPr lang="en-US" dirty="0" err="1"/>
+              <a:t>IndexedDB</a:t>
             </a:r>
             <a:endParaRPr lang="en-US" dirty="0"/>
           </a:p>
@@ -9899,35 +9703,35 @@
               <a:t>офлайн</a:t>
             </a:r>
             <a:r>
-              <a:rPr lang="uk-UA" sz="2000" dirty="0" smtClean="0">
+              <a:rPr lang="uk-UA" sz="2000" dirty="0">
                 <a:effectLst/>
               </a:rPr>
               <a:t>.</a:t>
             </a:r>
-            <a:endParaRPr lang="en-US" sz="2000" dirty="0" smtClean="0">
-              <a:effectLst/>
-            </a:endParaRPr>
-          </a:p>
-          <a:p>
             <a:endParaRPr lang="en-US" sz="2000" dirty="0">
               <a:effectLst/>
             </a:endParaRPr>
           </a:p>
           <a:p>
-            <a:endParaRPr lang="en-US" sz="2000" dirty="0" smtClean="0">
+            <a:endParaRPr lang="en-US" sz="2000" dirty="0">
               <a:effectLst/>
             </a:endParaRPr>
           </a:p>
           <a:p>
-            <a:endParaRPr lang="en-US" sz="2000" dirty="0" smtClean="0">
+            <a:endParaRPr lang="en-US" sz="2000" dirty="0">
               <a:effectLst/>
             </a:endParaRPr>
           </a:p>
           <a:p>
+            <a:endParaRPr lang="en-US" sz="2000" dirty="0">
+              <a:effectLst/>
+            </a:endParaRPr>
+          </a:p>
+          <a:p>
             <a:pPr marL="457200" lvl="1" indent="0">
               <a:buNone/>
             </a:pPr>
-            <a:endParaRPr lang="en-US" sz="1600" dirty="0" smtClean="0">
+            <a:endParaRPr lang="en-US" sz="1600" dirty="0">
               <a:effectLst/>
             </a:endParaRPr>
           </a:p>
@@ -9943,13 +9747,6 @@
   <p:clrMapOvr>
     <a:masterClrMapping/>
   </p:clrMapOvr>
-  <p:timing>
-    <p:tnLst>
-      <p:par>
-        <p:cTn id="1" dur="indefinite" restart="never" nodeType="tmRoot"/>
-      </p:par>
-    </p:tnLst>
-  </p:timing>
 </p:sld>
 </file>
 
@@ -9986,16 +9783,8 @@
           <a:lstStyle/>
           <a:p>
             <a:r>
-              <a:rPr lang="en-US" dirty="0" err="1" smtClean="0"/>
-              <a:t>Index</a:t>
-            </a:r>
-            <a:r>
-              <a:rPr lang="en-US" dirty="0" err="1" smtClean="0"/>
-              <a:t>ed</a:t>
-            </a:r>
-            <a:r>
-              <a:rPr lang="en-US" dirty="0" err="1" smtClean="0"/>
-              <a:t>DB</a:t>
+              <a:rPr lang="en-US" dirty="0" err="1"/>
+              <a:t>IndexedDB</a:t>
             </a:r>
             <a:endParaRPr lang="en-US" dirty="0"/>
           </a:p>
@@ -10024,7 +9813,7 @@
           <a:lstStyle/>
           <a:p>
             <a:r>
-              <a:rPr lang="en-US" sz="2000" dirty="0" smtClean="0">
+              <a:rPr lang="en-US" sz="2000" dirty="0">
                 <a:effectLst/>
               </a:rPr>
               <a:t>open</a:t>
@@ -10207,7 +9996,7 @@
           </a:p>
           <a:p>
             <a:r>
-              <a:rPr lang="en-US" sz="2000" dirty="0" smtClean="0">
+              <a:rPr lang="en-US" sz="2000" dirty="0">
                 <a:effectLst/>
               </a:rPr>
               <a:t>delete</a:t>
@@ -10265,325 +10054,283 @@
               </a:rPr>
               <a:t>);</a:t>
             </a:r>
-            <a:endParaRPr lang="en-US" sz="1600" dirty="0" smtClean="0">
+          </a:p>
+          <a:p>
+            <a:r>
+              <a:rPr lang="en-US" sz="2000" dirty="0">
+                <a:effectLst/>
+              </a:rPr>
+              <a:t>get</a:t>
+            </a:r>
+          </a:p>
+          <a:p>
+            <a:pPr marL="457200" lvl="1" indent="0">
+              <a:buNone/>
+            </a:pPr>
+            <a:r>
+              <a:rPr lang="en-US" sz="1700" dirty="0" err="1">
+                <a:effectLst/>
+              </a:rPr>
+              <a:t>db.transaction</a:t>
+            </a:r>
+            <a:r>
+              <a:rPr lang="en-US" sz="1700" dirty="0">
+                <a:effectLst/>
+              </a:rPr>
+              <a:t>(["students"],"</a:t>
+            </a:r>
+            <a:r>
+              <a:rPr lang="en-US" sz="1700" dirty="0" err="1">
+                <a:effectLst/>
+              </a:rPr>
+              <a:t>readwrite</a:t>
+            </a:r>
+            <a:r>
+              <a:rPr lang="en-US" sz="1700" dirty="0">
+                <a:effectLst/>
+              </a:rPr>
+              <a:t>").</a:t>
+            </a:r>
+            <a:r>
+              <a:rPr lang="en-US" sz="1700" dirty="0" err="1">
+                <a:effectLst/>
+              </a:rPr>
+              <a:t>objectStore</a:t>
+            </a:r>
+            <a:r>
+              <a:rPr lang="en-US" sz="1700" dirty="0">
+                <a:effectLst/>
+              </a:rPr>
+              <a:t>("students").get(</a:t>
+            </a:r>
+            <a:r>
+              <a:rPr lang="en-US" sz="1700" dirty="0" err="1">
+                <a:effectLst/>
+              </a:rPr>
+              <a:t>rollNo</a:t>
+            </a:r>
+            <a:r>
+              <a:rPr lang="en-US" sz="1700" dirty="0">
+                <a:effectLst/>
+              </a:rPr>
+              <a:t>);</a:t>
+            </a:r>
+          </a:p>
+          <a:p>
+            <a:r>
+              <a:rPr lang="en-US" sz="2000" dirty="0">
+                <a:effectLst/>
+              </a:rPr>
+              <a:t>put</a:t>
+            </a:r>
+          </a:p>
+          <a:p>
+            <a:pPr marL="457200" lvl="1" indent="0">
+              <a:buNone/>
+            </a:pPr>
+            <a:r>
+              <a:rPr lang="en-US" sz="1700" dirty="0" err="1">
+                <a:effectLst/>
+              </a:rPr>
+              <a:t>var</a:t>
+            </a:r>
+            <a:r>
+              <a:rPr lang="en-US" sz="1700" dirty="0">
+                <a:effectLst/>
+              </a:rPr>
+              <a:t> transaction = </a:t>
+            </a:r>
+            <a:r>
+              <a:rPr lang="en-US" sz="1700" dirty="0" err="1">
+                <a:effectLst/>
+              </a:rPr>
+              <a:t>db.transaction</a:t>
+            </a:r>
+            <a:r>
+              <a:rPr lang="en-US" sz="1700" dirty="0">
+                <a:effectLst/>
+              </a:rPr>
+              <a:t>(["students"],"</a:t>
+            </a:r>
+            <a:r>
+              <a:rPr lang="en-US" sz="1700" dirty="0" err="1">
+                <a:effectLst/>
+              </a:rPr>
+              <a:t>readwrite</a:t>
+            </a:r>
+            <a:r>
+              <a:rPr lang="en-US" sz="1700" dirty="0">
+                <a:effectLst/>
+              </a:rPr>
+              <a:t>");</a:t>
+            </a:r>
+          </a:p>
+          <a:p>
+            <a:pPr marL="457200" lvl="1" indent="0">
+              <a:buNone/>
+            </a:pPr>
+            <a:r>
+              <a:rPr lang="en-US" sz="1700" dirty="0">
+                <a:effectLst/>
+              </a:rPr>
+              <a:t>    </a:t>
+            </a:r>
+            <a:r>
+              <a:rPr lang="en-US" sz="1700" dirty="0" err="1">
+                <a:effectLst/>
+              </a:rPr>
+              <a:t>var</a:t>
+            </a:r>
+            <a:r>
+              <a:rPr lang="en-US" sz="1700" dirty="0">
+                <a:effectLst/>
+              </a:rPr>
+              <a:t> </a:t>
+            </a:r>
+            <a:r>
+              <a:rPr lang="en-US" sz="1700" dirty="0" err="1">
+                <a:effectLst/>
+              </a:rPr>
+              <a:t>objectStore</a:t>
+            </a:r>
+            <a:r>
+              <a:rPr lang="en-US" sz="1700" dirty="0">
+                <a:effectLst/>
+              </a:rPr>
+              <a:t> = </a:t>
+            </a:r>
+            <a:r>
+              <a:rPr lang="en-US" sz="1700" dirty="0" err="1">
+                <a:effectLst/>
+              </a:rPr>
+              <a:t>transaction.objectStore</a:t>
+            </a:r>
+            <a:r>
+              <a:rPr lang="en-US" sz="1700" dirty="0">
+                <a:effectLst/>
+              </a:rPr>
+              <a:t>("students"); </a:t>
+            </a:r>
+          </a:p>
+          <a:p>
+            <a:pPr marL="457200" lvl="1" indent="0">
+              <a:buNone/>
+            </a:pPr>
+            <a:r>
+              <a:rPr lang="en-US" sz="1700" dirty="0">
+                <a:effectLst/>
+              </a:rPr>
+              <a:t>    </a:t>
+            </a:r>
+            <a:r>
+              <a:rPr lang="en-US" sz="1700" dirty="0" err="1">
+                <a:effectLst/>
+              </a:rPr>
+              <a:t>var</a:t>
+            </a:r>
+            <a:r>
+              <a:rPr lang="en-US" sz="1700" dirty="0">
+                <a:effectLst/>
+              </a:rPr>
+              <a:t> request = </a:t>
+            </a:r>
+            <a:r>
+              <a:rPr lang="en-US" sz="1700" dirty="0" err="1">
+                <a:effectLst/>
+              </a:rPr>
+              <a:t>objectStore.get</a:t>
+            </a:r>
+            <a:r>
+              <a:rPr lang="en-US" sz="1700" dirty="0">
+                <a:effectLst/>
+              </a:rPr>
+              <a:t>(</a:t>
+            </a:r>
+            <a:r>
+              <a:rPr lang="en-US" sz="1700" dirty="0" err="1">
+                <a:effectLst/>
+              </a:rPr>
+              <a:t>rollNo</a:t>
+            </a:r>
+            <a:r>
+              <a:rPr lang="en-US" sz="1700" dirty="0">
+                <a:effectLst/>
+              </a:rPr>
+              <a:t>); </a:t>
+            </a:r>
+          </a:p>
+          <a:p>
+            <a:pPr marL="457200" lvl="1" indent="0">
+              <a:buNone/>
+            </a:pPr>
+            <a:r>
+              <a:rPr lang="en-US" sz="1700" dirty="0">
+                <a:effectLst/>
+              </a:rPr>
+              <a:t>    request.result.name = name; </a:t>
+            </a:r>
+          </a:p>
+          <a:p>
+            <a:pPr marL="457200" lvl="1" indent="0">
+              <a:buNone/>
+            </a:pPr>
+            <a:r>
+              <a:rPr lang="en-US" sz="1700" dirty="0">
+                <a:effectLst/>
+              </a:rPr>
+              <a:t>    </a:t>
+            </a:r>
+            <a:r>
+              <a:rPr lang="en-US" sz="1700" dirty="0" err="1">
+                <a:effectLst/>
+              </a:rPr>
+              <a:t>objectStore.put</a:t>
+            </a:r>
+            <a:r>
+              <a:rPr lang="en-US" sz="1700" dirty="0">
+                <a:effectLst/>
+              </a:rPr>
+              <a:t>(</a:t>
+            </a:r>
+            <a:r>
+              <a:rPr lang="en-US" sz="1700" dirty="0" err="1">
+                <a:effectLst/>
+              </a:rPr>
+              <a:t>request.result</a:t>
+            </a:r>
+            <a:r>
+              <a:rPr lang="en-US" sz="1700" dirty="0">
+                <a:effectLst/>
+              </a:rPr>
+              <a:t>);</a:t>
+            </a:r>
+          </a:p>
+          <a:p>
+            <a:pPr marL="457200" lvl="1" indent="0">
+              <a:buNone/>
+            </a:pPr>
+            <a:r>
+              <a:rPr lang="en-US" sz="1700" dirty="0">
+                <a:effectLst/>
+              </a:rPr>
+              <a:t> };</a:t>
+            </a:r>
+          </a:p>
+          <a:p>
+            <a:endParaRPr lang="en-US" sz="2000" dirty="0">
               <a:effectLst/>
             </a:endParaRPr>
           </a:p>
           <a:p>
-            <a:r>
-              <a:rPr lang="en-US" sz="2000" dirty="0" smtClean="0">
-                <a:effectLst/>
-              </a:rPr>
-              <a:t>get</a:t>
-            </a:r>
-          </a:p>
-          <a:p>
-            <a:pPr marL="457200" lvl="1" indent="0">
-              <a:buNone/>
-            </a:pPr>
-            <a:r>
-              <a:rPr lang="en-US" sz="1700" dirty="0" err="1">
-                <a:effectLst/>
-              </a:rPr>
-              <a:t>db.transaction</a:t>
-            </a:r>
-            <a:r>
-              <a:rPr lang="en-US" sz="1700" dirty="0">
-                <a:effectLst/>
-              </a:rPr>
-              <a:t>(["students"],"</a:t>
-            </a:r>
-            <a:r>
-              <a:rPr lang="en-US" sz="1700" dirty="0" err="1">
-                <a:effectLst/>
-              </a:rPr>
-              <a:t>readwrite</a:t>
-            </a:r>
-            <a:r>
-              <a:rPr lang="en-US" sz="1700" dirty="0">
-                <a:effectLst/>
-              </a:rPr>
-              <a:t>").</a:t>
-            </a:r>
-            <a:r>
-              <a:rPr lang="en-US" sz="1700" dirty="0" err="1">
-                <a:effectLst/>
-              </a:rPr>
-              <a:t>objectStore</a:t>
-            </a:r>
-            <a:r>
-              <a:rPr lang="en-US" sz="1700" dirty="0">
-                <a:effectLst/>
-              </a:rPr>
-              <a:t>("students").get(</a:t>
-            </a:r>
-            <a:r>
-              <a:rPr lang="en-US" sz="1700" dirty="0" err="1">
-                <a:effectLst/>
-              </a:rPr>
-              <a:t>rollNo</a:t>
-            </a:r>
-            <a:r>
-              <a:rPr lang="en-US" sz="1700" dirty="0">
-                <a:effectLst/>
-              </a:rPr>
-              <a:t>);</a:t>
-            </a:r>
-            <a:endParaRPr lang="en-US" sz="1700" dirty="0" smtClean="0">
+            <a:endParaRPr lang="en-US" sz="2000" dirty="0">
               <a:effectLst/>
             </a:endParaRPr>
           </a:p>
           <a:p>
-            <a:r>
-              <a:rPr lang="en-US" sz="2000" dirty="0" smtClean="0">
-                <a:effectLst/>
-              </a:rPr>
-              <a:t>put</a:t>
-            </a:r>
-          </a:p>
-          <a:p>
             <a:pPr marL="457200" lvl="1" indent="0">
               <a:buNone/>
             </a:pPr>
-            <a:r>
-              <a:rPr lang="en-US" sz="1700" dirty="0" err="1">
-                <a:effectLst/>
-              </a:rPr>
-              <a:t>var</a:t>
-            </a:r>
-            <a:r>
-              <a:rPr lang="en-US" sz="1700" dirty="0">
-                <a:effectLst/>
-              </a:rPr>
-              <a:t> transaction = </a:t>
-            </a:r>
-            <a:r>
-              <a:rPr lang="en-US" sz="1700" dirty="0" err="1">
-                <a:effectLst/>
-              </a:rPr>
-              <a:t>db.transaction</a:t>
-            </a:r>
-            <a:r>
-              <a:rPr lang="en-US" sz="1700" dirty="0">
-                <a:effectLst/>
-              </a:rPr>
-              <a:t>(["students"],"</a:t>
-            </a:r>
-            <a:r>
-              <a:rPr lang="en-US" sz="1700" dirty="0" err="1">
-                <a:effectLst/>
-              </a:rPr>
-              <a:t>readwrite</a:t>
-            </a:r>
-            <a:r>
-              <a:rPr lang="en-US" sz="1700" dirty="0" smtClean="0">
-                <a:effectLst/>
-              </a:rPr>
-              <a:t>");</a:t>
-            </a:r>
-          </a:p>
-          <a:p>
-            <a:pPr marL="457200" lvl="1" indent="0">
-              <a:buNone/>
-            </a:pPr>
-            <a:r>
-              <a:rPr lang="en-US" sz="1700" dirty="0" smtClean="0">
-                <a:effectLst/>
-              </a:rPr>
-              <a:t>    </a:t>
-            </a:r>
-            <a:r>
-              <a:rPr lang="en-US" sz="1700" dirty="0" err="1" smtClean="0">
-                <a:effectLst/>
-              </a:rPr>
-              <a:t>var</a:t>
-            </a:r>
-            <a:r>
-              <a:rPr lang="en-US" sz="1700" dirty="0" smtClean="0">
-                <a:effectLst/>
-              </a:rPr>
-              <a:t> </a:t>
-            </a:r>
-            <a:r>
-              <a:rPr lang="en-US" sz="1700" dirty="0" err="1">
-                <a:effectLst/>
-              </a:rPr>
-              <a:t>objectStore</a:t>
-            </a:r>
-            <a:r>
-              <a:rPr lang="en-US" sz="1700" dirty="0">
-                <a:effectLst/>
-              </a:rPr>
-              <a:t> = </a:t>
-            </a:r>
-            <a:r>
-              <a:rPr lang="en-US" sz="1700" dirty="0" err="1">
-                <a:effectLst/>
-              </a:rPr>
-              <a:t>transaction.objectStore</a:t>
-            </a:r>
-            <a:r>
-              <a:rPr lang="en-US" sz="1700" dirty="0">
-                <a:effectLst/>
-              </a:rPr>
-              <a:t>("students"); </a:t>
-            </a:r>
-            <a:endParaRPr lang="en-US" sz="1700" dirty="0" smtClean="0">
-              <a:effectLst/>
-            </a:endParaRPr>
-          </a:p>
-          <a:p>
-            <a:pPr marL="457200" lvl="1" indent="0">
-              <a:buNone/>
-            </a:pPr>
-            <a:r>
-              <a:rPr lang="en-US" sz="1700" dirty="0">
-                <a:effectLst/>
-              </a:rPr>
-              <a:t> </a:t>
-            </a:r>
-            <a:r>
-              <a:rPr lang="en-US" sz="1700" dirty="0" smtClean="0">
-                <a:effectLst/>
-              </a:rPr>
-              <a:t>   </a:t>
-            </a:r>
-            <a:r>
-              <a:rPr lang="en-US" sz="1700" dirty="0" err="1" smtClean="0">
-                <a:effectLst/>
-              </a:rPr>
-              <a:t>var</a:t>
-            </a:r>
-            <a:r>
-              <a:rPr lang="en-US" sz="1700" dirty="0" smtClean="0">
-                <a:effectLst/>
-              </a:rPr>
-              <a:t> </a:t>
-            </a:r>
-            <a:r>
-              <a:rPr lang="en-US" sz="1700" dirty="0">
-                <a:effectLst/>
-              </a:rPr>
-              <a:t>request = </a:t>
-            </a:r>
-            <a:r>
-              <a:rPr lang="en-US" sz="1700" dirty="0" err="1">
-                <a:effectLst/>
-              </a:rPr>
-              <a:t>objectStore.get</a:t>
-            </a:r>
-            <a:r>
-              <a:rPr lang="en-US" sz="1700" dirty="0">
-                <a:effectLst/>
-              </a:rPr>
-              <a:t>(</a:t>
-            </a:r>
-            <a:r>
-              <a:rPr lang="en-US" sz="1700" dirty="0" err="1">
-                <a:effectLst/>
-              </a:rPr>
-              <a:t>rollNo</a:t>
-            </a:r>
-            <a:r>
-              <a:rPr lang="en-US" sz="1700" dirty="0">
-                <a:effectLst/>
-              </a:rPr>
-              <a:t>); </a:t>
-            </a:r>
-            <a:endParaRPr lang="en-US" sz="1700" dirty="0" smtClean="0">
-              <a:effectLst/>
-            </a:endParaRPr>
-          </a:p>
-          <a:p>
-            <a:pPr marL="457200" lvl="1" indent="0">
-              <a:buNone/>
-            </a:pPr>
-            <a:r>
-              <a:rPr lang="en-US" sz="1700" dirty="0" smtClean="0">
-                <a:effectLst/>
-              </a:rPr>
-              <a:t>    request.result.name </a:t>
-            </a:r>
-            <a:r>
-              <a:rPr lang="en-US" sz="1700" dirty="0">
-                <a:effectLst/>
-              </a:rPr>
-              <a:t>= name; </a:t>
-            </a:r>
-            <a:endParaRPr lang="en-US" sz="1700" dirty="0" smtClean="0">
-              <a:effectLst/>
-            </a:endParaRPr>
-          </a:p>
-          <a:p>
-            <a:pPr marL="457200" lvl="1" indent="0">
-              <a:buNone/>
-            </a:pPr>
-            <a:r>
-              <a:rPr lang="en-US" sz="1700" dirty="0" smtClean="0">
-                <a:effectLst/>
-              </a:rPr>
-              <a:t>    </a:t>
-            </a:r>
-            <a:r>
-              <a:rPr lang="en-US" sz="1700" dirty="0" err="1" smtClean="0">
-                <a:effectLst/>
-              </a:rPr>
-              <a:t>objectStore.put</a:t>
-            </a:r>
-            <a:r>
-              <a:rPr lang="en-US" sz="1700" dirty="0" smtClean="0">
-                <a:effectLst/>
-              </a:rPr>
-              <a:t>(</a:t>
-            </a:r>
-            <a:r>
-              <a:rPr lang="en-US" sz="1700" dirty="0" err="1" smtClean="0">
-                <a:effectLst/>
-              </a:rPr>
-              <a:t>request.result</a:t>
-            </a:r>
-            <a:r>
-              <a:rPr lang="en-US" sz="1700" dirty="0" smtClean="0">
-                <a:effectLst/>
-              </a:rPr>
-              <a:t>);</a:t>
-            </a:r>
-          </a:p>
-          <a:p>
-            <a:pPr marL="457200" lvl="1" indent="0">
-              <a:buNone/>
-            </a:pPr>
-            <a:r>
-              <a:rPr lang="en-US" sz="1700" dirty="0" smtClean="0">
-                <a:effectLst/>
-              </a:rPr>
-              <a:t> </a:t>
-            </a:r>
-            <a:r>
-              <a:rPr lang="en-US" sz="1700" dirty="0">
-                <a:effectLst/>
-              </a:rPr>
-              <a:t>};</a:t>
-            </a:r>
-            <a:endParaRPr lang="en-US" sz="1700" dirty="0">
-              <a:effectLst/>
-            </a:endParaRPr>
-          </a:p>
-          <a:p>
-            <a:endParaRPr lang="en-US" sz="2000" dirty="0" smtClean="0">
-              <a:effectLst/>
-            </a:endParaRPr>
-          </a:p>
-          <a:p>
-            <a:endParaRPr lang="en-US" sz="2000" dirty="0" smtClean="0">
-              <a:effectLst/>
-            </a:endParaRPr>
-          </a:p>
-          <a:p>
-            <a:pPr marL="457200" lvl="1" indent="0">
-              <a:buNone/>
-            </a:pPr>
-            <a:endParaRPr lang="en-US" sz="1600" dirty="0" smtClean="0">
+            <a:endParaRPr lang="en-US" sz="1600" dirty="0">
               <a:effectLst/>
             </a:endParaRPr>
           </a:p>
@@ -10599,13 +10346,6 @@
   <p:clrMapOvr>
     <a:masterClrMapping/>
   </p:clrMapOvr>
-  <p:timing>
-    <p:tnLst>
-      <p:par>
-        <p:cTn id="1" dur="indefinite" restart="never" nodeType="tmRoot"/>
-      </p:par>
-    </p:tnLst>
-  </p:timing>
 </p:sld>
 </file>
 
@@ -10672,26 +10412,26 @@
           <a:lstStyle/>
           <a:p>
             <a:r>
-              <a:rPr lang="uk-UA" dirty="0" smtClean="0"/>
+              <a:rPr lang="uk-UA" dirty="0"/>
               <a:t>Створити об</a:t>
             </a:r>
             <a:r>
-              <a:rPr lang="en-US" dirty="0" smtClean="0"/>
+              <a:rPr lang="en-US" dirty="0"/>
               <a:t>’</a:t>
             </a:r>
             <a:r>
-              <a:rPr lang="uk-UA" dirty="0" err="1" smtClean="0"/>
+              <a:rPr lang="uk-UA" dirty="0" err="1"/>
               <a:t>єкт</a:t>
             </a:r>
             <a:r>
-              <a:rPr lang="uk-UA" dirty="0" smtClean="0"/>
+              <a:rPr lang="uk-UA" dirty="0"/>
               <a:t> та зберегти його в різні </a:t>
             </a:r>
             <a:r>
-              <a:rPr lang="uk-UA" smtClean="0"/>
+              <a:rPr lang="uk-UA"/>
               <a:t>типи сховищ </a:t>
             </a:r>
-            <a:endParaRPr lang="uk-UA" dirty="0" smtClean="0"/>
+            <a:endParaRPr lang="uk-UA" dirty="0"/>
           </a:p>
         </p:txBody>
       </p:sp>
@@ -10705,13 +10445,6 @@
   <p:clrMapOvr>
     <a:masterClrMapping/>
   </p:clrMapOvr>
-  <p:timing>
-    <p:tnLst>
-      <p:par>
-        <p:cTn id="1" dur="indefinite" restart="never" nodeType="tmRoot"/>
-      </p:par>
-    </p:tnLst>
-  </p:timing>
 </p:sld>
 </file>
 
